--- a/reference_content/Slides/Basis_and_Regularization.pptx
+++ b/reference_content/Slides/Basis_and_Regularization.pptx
@@ -121,6 +121,11 @@
       </a:defRPr>
     </a:lvl9pPr>
   </p:defaultTextStyle>
+  <p:extLst>
+    <p:ext uri="{EFAFB233-063F-42B5-8137-9DF3F51BA10A}">
+      <p15:sldGuideLst xmlns:p15="http://schemas.microsoft.com/office/powerpoint/2012/main"/>
+    </p:ext>
+  </p:extLst>
 </p:presentation>
 </file>
 
@@ -263,7 +268,7 @@
           <a:p>
             <a:fld id="{6A2C5A9B-CA1C-EF43-AB33-17909BB2FF74}" type="datetimeFigureOut">
               <a:rPr lang="en-US" smtClean="0"/>
-              <a:t>1/20/22</a:t>
+              <a:t>2/27/24</a:t>
             </a:fld>
             <a:endParaRPr lang="en-US"/>
           </a:p>
@@ -474,7 +479,7 @@
           <a:p>
             <a:fld id="{6A2C5A9B-CA1C-EF43-AB33-17909BB2FF74}" type="datetimeFigureOut">
               <a:rPr lang="en-US" smtClean="0"/>
-              <a:t>1/20/22</a:t>
+              <a:t>2/27/24</a:t>
             </a:fld>
             <a:endParaRPr lang="en-US"/>
           </a:p>
@@ -689,7 +694,7 @@
           <a:p>
             <a:fld id="{6A2C5A9B-CA1C-EF43-AB33-17909BB2FF74}" type="datetimeFigureOut">
               <a:rPr lang="en-US" smtClean="0"/>
-              <a:t>1/20/22</a:t>
+              <a:t>2/27/24</a:t>
             </a:fld>
             <a:endParaRPr lang="en-US"/>
           </a:p>
@@ -890,7 +895,7 @@
           <a:p>
             <a:fld id="{6A2C5A9B-CA1C-EF43-AB33-17909BB2FF74}" type="datetimeFigureOut">
               <a:rPr lang="en-US" smtClean="0"/>
-              <a:t>1/20/22</a:t>
+              <a:t>2/27/24</a:t>
             </a:fld>
             <a:endParaRPr lang="en-US"/>
           </a:p>
@@ -1169,7 +1174,7 @@
           <a:p>
             <a:fld id="{6A2C5A9B-CA1C-EF43-AB33-17909BB2FF74}" type="datetimeFigureOut">
               <a:rPr lang="en-US" smtClean="0"/>
-              <a:t>1/20/22</a:t>
+              <a:t>2/27/24</a:t>
             </a:fld>
             <a:endParaRPr lang="en-US"/>
           </a:p>
@@ -1437,7 +1442,7 @@
           <a:p>
             <a:fld id="{6A2C5A9B-CA1C-EF43-AB33-17909BB2FF74}" type="datetimeFigureOut">
               <a:rPr lang="en-US" smtClean="0"/>
-              <a:t>1/20/22</a:t>
+              <a:t>2/27/24</a:t>
             </a:fld>
             <a:endParaRPr lang="en-US"/>
           </a:p>
@@ -1853,7 +1858,7 @@
           <a:p>
             <a:fld id="{6A2C5A9B-CA1C-EF43-AB33-17909BB2FF74}" type="datetimeFigureOut">
               <a:rPr lang="en-US" smtClean="0"/>
-              <a:t>1/20/22</a:t>
+              <a:t>2/27/24</a:t>
             </a:fld>
             <a:endParaRPr lang="en-US"/>
           </a:p>
@@ -2002,7 +2007,7 @@
           <a:p>
             <a:fld id="{6A2C5A9B-CA1C-EF43-AB33-17909BB2FF74}" type="datetimeFigureOut">
               <a:rPr lang="en-US" smtClean="0"/>
-              <a:t>1/20/22</a:t>
+              <a:t>2/27/24</a:t>
             </a:fld>
             <a:endParaRPr lang="en-US"/>
           </a:p>
@@ -2128,7 +2133,7 @@
           <a:p>
             <a:fld id="{6A2C5A9B-CA1C-EF43-AB33-17909BB2FF74}" type="datetimeFigureOut">
               <a:rPr lang="en-US" smtClean="0"/>
-              <a:t>1/20/22</a:t>
+              <a:t>2/27/24</a:t>
             </a:fld>
             <a:endParaRPr lang="en-US"/>
           </a:p>
@@ -2379,7 +2384,7 @@
           <a:p>
             <a:fld id="{6A2C5A9B-CA1C-EF43-AB33-17909BB2FF74}" type="datetimeFigureOut">
               <a:rPr lang="en-US" smtClean="0"/>
-              <a:t>1/20/22</a:t>
+              <a:t>2/27/24</a:t>
             </a:fld>
             <a:endParaRPr lang="en-US"/>
           </a:p>
@@ -2824,7 +2829,7 @@
           <a:p>
             <a:fld id="{6A2C5A9B-CA1C-EF43-AB33-17909BB2FF74}" type="datetimeFigureOut">
               <a:rPr lang="en-US" smtClean="0"/>
-              <a:t>1/20/22</a:t>
+              <a:t>2/27/24</a:t>
             </a:fld>
             <a:endParaRPr lang="en-US"/>
           </a:p>
@@ -3151,7 +3156,7 @@
           <a:p>
             <a:fld id="{6A2C5A9B-CA1C-EF43-AB33-17909BB2FF74}" type="datetimeFigureOut">
               <a:rPr lang="en-US" smtClean="0"/>
-              <a:t>1/20/22</a:t>
+              <a:t>2/27/24</a:t>
             </a:fld>
             <a:endParaRPr lang="en-US"/>
           </a:p>
@@ -4073,8 +4078,8 @@
         </p:nvSpPr>
         <p:spPr>
           <a:xfrm>
-            <a:off x="1451579" y="2015732"/>
-            <a:ext cx="9603275" cy="4037749"/>
+            <a:off x="1451579" y="1938130"/>
+            <a:ext cx="9603275" cy="4115351"/>
           </a:xfrm>
         </p:spPr>
         <p:txBody>
@@ -6087,7 +6092,7 @@
             <a:pPr lvl="1"/>
             <a:r>
               <a:rPr lang="en-US" dirty="0"/>
-              <a:t>E.g. x2 -&gt; </a:t>
+              <a:t>E.g. linear regression is in 1D on the example, after basis it is in 2D. </a:t>
             </a:r>
           </a:p>
         </p:txBody>
@@ -6333,8 +6338,8 @@
         </p:nvSpPr>
         <p:spPr>
           <a:xfrm>
-            <a:off x="1451579" y="2015732"/>
-            <a:ext cx="9603275" cy="4116711"/>
+            <a:off x="1451579" y="1853754"/>
+            <a:ext cx="9603275" cy="4278689"/>
           </a:xfrm>
         </p:spPr>
         <p:txBody>
@@ -6344,6 +6349,13 @@
             <a:r>
               <a:rPr lang="en-US" dirty="0"/>
               <a:t>What a victory! We can model a non-linear relationship with a linear regression. </a:t>
+            </a:r>
+          </a:p>
+          <a:p>
+            <a:pPr lvl="1"/>
+            <a:r>
+              <a:rPr lang="en-US" dirty="0"/>
+              <a:t>More flexible and applicable simple models. </a:t>
             </a:r>
           </a:p>
           <a:p>
@@ -6706,6 +6718,13 @@
             <a:schemeClr val="lt1"/>
           </a:fontRef>
         </p:style>
+        <p:txBody>
+          <a:bodyPr/>
+          <a:lstStyle/>
+          <a:p>
+            <a:endParaRPr lang="en-US"/>
+          </a:p>
+        </p:txBody>
       </p:sp>
       <p:pic>
         <p:nvPicPr>
